--- a/img/img.pptx
+++ b/img/img.pptx
@@ -5,7 +5,7 @@
     <p:sldMasterId id="2147483648" r:id="rId1"/>
   </p:sldMasterIdLst>
   <p:sldIdLst>
-    <p:sldId id="256" r:id="rId2"/>
+    <p:sldId id="257" r:id="rId2"/>
   </p:sldIdLst>
   <p:sldSz cx="12192000" cy="6858000"/>
   <p:notesSz cx="6858000" cy="9144000"/>
@@ -104,6 +104,11 @@
       </a:defRPr>
     </a:lvl9pPr>
   </p:defaultTextStyle>
+  <p:extLst>
+    <p:ext uri="{EFAFB233-063F-42B5-8137-9DF3F51BA10A}">
+      <p15:sldGuideLst xmlns:p15="http://schemas.microsoft.com/office/powerpoint/2012/main"/>
+    </p:ext>
+  </p:extLst>
 </p:presentation>
 </file>
 
@@ -3321,549 +3326,594 @@
           <a:chExt cx="0" cy="0"/>
         </a:xfrm>
       </p:grpSpPr>
-      <p:sp>
-        <p:nvSpPr>
-          <p:cNvPr id="6" name="Hexagone 5">
-            <a:extLst>
-              <a:ext uri="{FF2B5EF4-FFF2-40B4-BE49-F238E27FC236}">
-                <a16:creationId xmlns:a16="http://schemas.microsoft.com/office/drawing/2014/main" id="{72E43CA9-778B-4FEE-DECC-C41118E32505}"/>
-              </a:ext>
-            </a:extLst>
-          </p:cNvPr>
-          <p:cNvSpPr/>
+      <p:grpSp>
+        <p:nvGrpSpPr>
+          <p:cNvPr id="51" name="Groupe 50">
+            <a:extLst>
+              <a:ext uri="{FF2B5EF4-FFF2-40B4-BE49-F238E27FC236}">
+                <a16:creationId xmlns:a16="http://schemas.microsoft.com/office/drawing/2014/main" id="{E0E0E77E-6258-8996-339E-F1BE3C61938E}"/>
+              </a:ext>
+            </a:extLst>
+          </p:cNvPr>
+          <p:cNvGrpSpPr/>
           <p:nvPr/>
-        </p:nvSpPr>
-        <p:spPr>
-          <a:xfrm rot="5400000">
-            <a:off x="2851355" y="615663"/>
-            <a:ext cx="6489289" cy="5626673"/>
+        </p:nvGrpSpPr>
+        <p:grpSpPr>
+          <a:xfrm>
+            <a:off x="3282663" y="184355"/>
+            <a:ext cx="5626673" cy="6489289"/>
+            <a:chOff x="3282663" y="184355"/>
+            <a:chExt cx="5626673" cy="6489289"/>
           </a:xfrm>
-          <a:prstGeom prst="hexagon">
-            <a:avLst>
-              <a:gd name="adj" fmla="val 29465"/>
-              <a:gd name="vf" fmla="val 115470"/>
-            </a:avLst>
-          </a:prstGeom>
-          <a:solidFill>
-            <a:schemeClr val="tx1"/>
-          </a:solidFill>
-          <a:ln>
+        </p:grpSpPr>
+        <p:sp>
+          <p:nvSpPr>
+            <p:cNvPr id="6" name="Hexagone 5">
+              <a:extLst>
+                <a:ext uri="{FF2B5EF4-FFF2-40B4-BE49-F238E27FC236}">
+                  <a16:creationId xmlns:a16="http://schemas.microsoft.com/office/drawing/2014/main" id="{72E43CA9-778B-4FEE-DECC-C41118E32505}"/>
+                </a:ext>
+              </a:extLst>
+            </p:cNvPr>
+            <p:cNvSpPr/>
+            <p:nvPr/>
+          </p:nvSpPr>
+          <p:spPr>
+            <a:xfrm rot="5400000">
+              <a:off x="2851355" y="615663"/>
+              <a:ext cx="6489289" cy="5626673"/>
+            </a:xfrm>
+            <a:prstGeom prst="hexagon">
+              <a:avLst>
+                <a:gd name="adj" fmla="val 29465"/>
+                <a:gd name="vf" fmla="val 115470"/>
+              </a:avLst>
+            </a:prstGeom>
+            <a:solidFill>
+              <a:schemeClr val="tx1"/>
+            </a:solidFill>
+            <a:ln>
+              <a:noFill/>
+            </a:ln>
+          </p:spPr>
+          <p:style>
+            <a:lnRef idx="2">
+              <a:schemeClr val="accent1">
+                <a:shade val="15000"/>
+              </a:schemeClr>
+            </a:lnRef>
+            <a:fillRef idx="1">
+              <a:schemeClr val="accent1"/>
+            </a:fillRef>
+            <a:effectRef idx="0">
+              <a:schemeClr val="accent1"/>
+            </a:effectRef>
+            <a:fontRef idx="minor">
+              <a:schemeClr val="lt1"/>
+            </a:fontRef>
+          </p:style>
+          <p:txBody>
+            <a:bodyPr rtlCol="0" anchor="ctr"/>
+            <a:lstStyle/>
+            <a:p>
+              <a:pPr algn="ctr"/>
+              <a:endParaRPr lang="fr-FR"/>
+            </a:p>
+          </p:txBody>
+        </p:sp>
+        <p:sp>
+          <p:nvSpPr>
+            <p:cNvPr id="12" name="ZoneTexte 11">
+              <a:extLst>
+                <a:ext uri="{FF2B5EF4-FFF2-40B4-BE49-F238E27FC236}">
+                  <a16:creationId xmlns:a16="http://schemas.microsoft.com/office/drawing/2014/main" id="{C060F141-2ACF-4C2A-C704-3745C47F9FD1}"/>
+                </a:ext>
+              </a:extLst>
+            </p:cNvPr>
+            <p:cNvSpPr txBox="1"/>
+            <p:nvPr/>
+          </p:nvSpPr>
+          <p:spPr>
+            <a:xfrm>
+              <a:off x="4426134" y="1203571"/>
+              <a:ext cx="3334952" cy="923330"/>
+            </a:xfrm>
+            <a:prstGeom prst="rect">
+              <a:avLst/>
+            </a:prstGeom>
             <a:noFill/>
-          </a:ln>
-        </p:spPr>
-        <p:style>
-          <a:lnRef idx="2">
-            <a:schemeClr val="accent1">
-              <a:shade val="15000"/>
-            </a:schemeClr>
-          </a:lnRef>
-          <a:fillRef idx="1">
-            <a:schemeClr val="accent1"/>
-          </a:fillRef>
-          <a:effectRef idx="0">
-            <a:schemeClr val="accent1"/>
-          </a:effectRef>
-          <a:fontRef idx="minor">
-            <a:schemeClr val="lt1"/>
-          </a:fontRef>
-        </p:style>
-        <p:txBody>
-          <a:bodyPr rtlCol="0" anchor="ctr"/>
-          <a:lstStyle/>
-          <a:p>
-            <a:pPr algn="ctr"/>
-            <a:endParaRPr lang="fr-FR"/>
-          </a:p>
-        </p:txBody>
-      </p:sp>
-      <p:pic>
-        <p:nvPicPr>
-          <p:cNvPr id="7" name="Image 6">
-            <a:extLst>
-              <a:ext uri="{FF2B5EF4-FFF2-40B4-BE49-F238E27FC236}">
-                <a16:creationId xmlns:a16="http://schemas.microsoft.com/office/drawing/2014/main" id="{7489844E-98B0-4E24-E882-DBF04BE729F9}"/>
-              </a:ext>
-            </a:extLst>
-          </p:cNvPr>
-          <p:cNvPicPr>
-            <a:picLocks noChangeAspect="1"/>
-          </p:cNvPicPr>
-          <p:nvPr/>
-        </p:nvPicPr>
-        <p:blipFill>
-          <a:blip r:embed="rId2">
-            <a:duotone>
-              <a:schemeClr val="accent4">
-                <a:shade val="45000"/>
-                <a:satMod val="135000"/>
-              </a:schemeClr>
-              <a:prstClr val="white"/>
-            </a:duotone>
-            <a:extLst>
-              <a:ext uri="{BEBA8EAE-BF5A-486C-A8C5-ECC9F3942E4B}">
-                <a14:imgProps xmlns:a14="http://schemas.microsoft.com/office/drawing/2010/main">
-                  <a14:imgLayer r:embed="rId3">
-                    <a14:imgEffect>
-                      <a14:backgroundRemoval t="10000" b="90000" l="10000" r="90000"/>
-                    </a14:imgEffect>
-                  </a14:imgLayer>
-                </a14:imgProps>
-              </a:ext>
-            </a:extLst>
-          </a:blip>
-          <a:stretch>
-            <a:fillRect/>
-          </a:stretch>
-        </p:blipFill>
-        <p:spPr>
-          <a:xfrm rot="13226570">
-            <a:off x="4566072" y="3728927"/>
-            <a:ext cx="3589327" cy="1324288"/>
-          </a:xfrm>
-          <a:prstGeom prst="rect">
-            <a:avLst/>
-          </a:prstGeom>
-        </p:spPr>
-      </p:pic>
-      <p:pic>
-        <p:nvPicPr>
-          <p:cNvPr id="8" name="Image 7">
-            <a:extLst>
-              <a:ext uri="{FF2B5EF4-FFF2-40B4-BE49-F238E27FC236}">
-                <a16:creationId xmlns:a16="http://schemas.microsoft.com/office/drawing/2014/main" id="{8E2F9623-DBE1-73AA-027F-49E551296665}"/>
-              </a:ext>
-            </a:extLst>
-          </p:cNvPr>
-          <p:cNvPicPr>
-            <a:picLocks noChangeAspect="1"/>
-          </p:cNvPicPr>
-          <p:nvPr/>
-        </p:nvPicPr>
-        <p:blipFill>
-          <a:blip r:embed="rId2">
-            <a:duotone>
-              <a:schemeClr val="accent4">
-                <a:shade val="45000"/>
-                <a:satMod val="135000"/>
-              </a:schemeClr>
-              <a:prstClr val="white"/>
-            </a:duotone>
-            <a:extLst>
-              <a:ext uri="{BEBA8EAE-BF5A-486C-A8C5-ECC9F3942E4B}">
-                <a14:imgProps xmlns:a14="http://schemas.microsoft.com/office/drawing/2010/main">
-                  <a14:imgLayer r:embed="rId3">
-                    <a14:imgEffect>
-                      <a14:backgroundRemoval t="10000" b="90000" l="10000" r="90000"/>
-                    </a14:imgEffect>
-                  </a14:imgLayer>
-                </a14:imgProps>
-              </a:ext>
-            </a:extLst>
-          </a:blip>
-          <a:stretch>
-            <a:fillRect/>
-          </a:stretch>
-        </p:blipFill>
-        <p:spPr>
-          <a:xfrm rot="18232247">
-            <a:off x="3058495" y="3305484"/>
-            <a:ext cx="3589327" cy="1324288"/>
-          </a:xfrm>
-          <a:prstGeom prst="rect">
-            <a:avLst/>
-          </a:prstGeom>
-        </p:spPr>
-      </p:pic>
-      <p:pic>
-        <p:nvPicPr>
-          <p:cNvPr id="9" name="Image 8">
-            <a:extLst>
-              <a:ext uri="{FF2B5EF4-FFF2-40B4-BE49-F238E27FC236}">
-                <a16:creationId xmlns:a16="http://schemas.microsoft.com/office/drawing/2014/main" id="{EA099A07-C61D-0DE6-CC9A-B707A9352C72}"/>
-              </a:ext>
-            </a:extLst>
-          </p:cNvPr>
-          <p:cNvPicPr>
-            <a:picLocks noChangeAspect="1"/>
-          </p:cNvPicPr>
-          <p:nvPr/>
-        </p:nvPicPr>
-        <p:blipFill>
-          <a:blip r:embed="rId2">
-            <a:duotone>
-              <a:schemeClr val="accent4">
-                <a:shade val="45000"/>
-                <a:satMod val="135000"/>
-              </a:schemeClr>
-              <a:prstClr val="white"/>
-            </a:duotone>
-            <a:extLst>
-              <a:ext uri="{BEBA8EAE-BF5A-486C-A8C5-ECC9F3942E4B}">
-                <a14:imgProps xmlns:a14="http://schemas.microsoft.com/office/drawing/2010/main">
-                  <a14:imgLayer r:embed="rId3">
-                    <a14:imgEffect>
-                      <a14:backgroundRemoval t="10000" b="90000" l="10000" r="90000"/>
-                    </a14:imgEffect>
-                  </a14:imgLayer>
-                </a14:imgProps>
-              </a:ext>
-            </a:extLst>
-          </a:blip>
-          <a:stretch>
-            <a:fillRect/>
-          </a:stretch>
-        </p:blipFill>
-        <p:spPr>
-          <a:xfrm rot="1735933">
-            <a:off x="3593950" y="1815734"/>
-            <a:ext cx="3589327" cy="1324288"/>
-          </a:xfrm>
-          <a:prstGeom prst="rect">
-            <a:avLst/>
-          </a:prstGeom>
-        </p:spPr>
-      </p:pic>
-      <p:pic>
-        <p:nvPicPr>
-          <p:cNvPr id="10" name="Image 9">
-            <a:extLst>
-              <a:ext uri="{FF2B5EF4-FFF2-40B4-BE49-F238E27FC236}">
-                <a16:creationId xmlns:a16="http://schemas.microsoft.com/office/drawing/2014/main" id="{6384028B-7E15-5EDD-1181-BBABDB3B4983}"/>
-              </a:ext>
-            </a:extLst>
-          </p:cNvPr>
-          <p:cNvPicPr>
-            <a:picLocks noChangeAspect="1"/>
-          </p:cNvPicPr>
-          <p:nvPr/>
-        </p:nvPicPr>
-        <p:blipFill>
-          <a:blip r:embed="rId2">
-            <a:duotone>
-              <a:schemeClr val="accent4">
-                <a:shade val="45000"/>
-                <a:satMod val="135000"/>
-              </a:schemeClr>
-              <a:prstClr val="white"/>
-            </a:duotone>
-            <a:extLst>
-              <a:ext uri="{BEBA8EAE-BF5A-486C-A8C5-ECC9F3942E4B}">
-                <a14:imgProps xmlns:a14="http://schemas.microsoft.com/office/drawing/2010/main">
-                  <a14:imgLayer r:embed="rId3">
-                    <a14:imgEffect>
-                      <a14:backgroundRemoval t="10000" b="90000" l="10000" r="90000"/>
-                    </a14:imgEffect>
-                  </a14:imgLayer>
-                </a14:imgProps>
-              </a:ext>
-            </a:extLst>
-          </a:blip>
-          <a:stretch>
-            <a:fillRect/>
-          </a:stretch>
-        </p:blipFill>
-        <p:spPr>
-          <a:xfrm rot="9155463">
-            <a:off x="4956505" y="2156718"/>
-            <a:ext cx="3589327" cy="1324288"/>
-          </a:xfrm>
-          <a:prstGeom prst="rect">
-            <a:avLst/>
-          </a:prstGeom>
-        </p:spPr>
-      </p:pic>
-      <p:pic>
-        <p:nvPicPr>
-          <p:cNvPr id="11" name="Image 10">
-            <a:extLst>
-              <a:ext uri="{FF2B5EF4-FFF2-40B4-BE49-F238E27FC236}">
-                <a16:creationId xmlns:a16="http://schemas.microsoft.com/office/drawing/2014/main" id="{611FE22F-3FC6-8AA9-49A6-3ED0ABD3A389}"/>
-              </a:ext>
-            </a:extLst>
-          </p:cNvPr>
-          <p:cNvPicPr>
-            <a:picLocks noChangeAspect="1"/>
-          </p:cNvPicPr>
-          <p:nvPr/>
-        </p:nvPicPr>
-        <p:blipFill>
-          <a:blip r:embed="rId2">
-            <a:duotone>
-              <a:schemeClr val="accent4">
-                <a:shade val="45000"/>
-                <a:satMod val="135000"/>
-              </a:schemeClr>
-              <a:prstClr val="white"/>
-            </a:duotone>
-            <a:extLst>
-              <a:ext uri="{BEBA8EAE-BF5A-486C-A8C5-ECC9F3942E4B}">
-                <a14:imgProps xmlns:a14="http://schemas.microsoft.com/office/drawing/2010/main">
-                  <a14:imgLayer r:embed="rId3">
-                    <a14:imgEffect>
-                      <a14:backgroundRemoval t="10000" b="90000" l="10000" r="90000"/>
-                    </a14:imgEffect>
-                  </a14:imgLayer>
-                </a14:imgProps>
-              </a:ext>
-            </a:extLst>
-          </a:blip>
-          <a:stretch>
-            <a:fillRect/>
-          </a:stretch>
-        </p:blipFill>
-        <p:spPr>
-          <a:xfrm rot="11634064">
-            <a:off x="5213494" y="3144107"/>
-            <a:ext cx="3589327" cy="1324288"/>
-          </a:xfrm>
-          <a:prstGeom prst="rect">
-            <a:avLst/>
-          </a:prstGeom>
-        </p:spPr>
-      </p:pic>
-      <p:sp>
-        <p:nvSpPr>
-          <p:cNvPr id="12" name="ZoneTexte 11">
-            <a:extLst>
-              <a:ext uri="{FF2B5EF4-FFF2-40B4-BE49-F238E27FC236}">
-                <a16:creationId xmlns:a16="http://schemas.microsoft.com/office/drawing/2014/main" id="{C060F141-2ACF-4C2A-C704-3745C47F9FD1}"/>
-              </a:ext>
-            </a:extLst>
-          </p:cNvPr>
-          <p:cNvSpPr txBox="1"/>
-          <p:nvPr/>
-        </p:nvSpPr>
-        <p:spPr>
-          <a:xfrm>
-            <a:off x="4720269" y="1134365"/>
-            <a:ext cx="2751459" cy="769441"/>
-          </a:xfrm>
-          <a:prstGeom prst="rect">
-            <a:avLst/>
-          </a:prstGeom>
-          <a:noFill/>
-        </p:spPr>
-        <p:txBody>
-          <a:bodyPr wrap="none" rtlCol="0">
-            <a:spAutoFit/>
-          </a:bodyPr>
-          <a:lstStyle/>
-          <a:p>
-            <a:pPr algn="ctr"/>
-            <a:r>
-              <a:rPr lang="fr-FR" sz="4400" dirty="0" err="1">
+          </p:spPr>
+          <p:txBody>
+            <a:bodyPr wrap="none" rtlCol="0">
+              <a:spAutoFit/>
+            </a:bodyPr>
+            <a:lstStyle/>
+            <a:p>
+              <a:pPr algn="ctr"/>
+              <a:r>
+                <a:rPr lang="fr-FR" sz="5400" b="1" dirty="0" err="1">
+                  <a:solidFill>
+                    <a:schemeClr val="bg1"/>
+                  </a:solidFill>
+                  <a:latin typeface="Arial Rounded MT Bold" panose="020F0704030504030204" pitchFamily="34" charset="0"/>
+                </a:rPr>
+                <a:t>biolutoxR</a:t>
+              </a:r>
+              <a:endParaRPr lang="fr-FR" sz="4400" b="1" dirty="0">
                 <a:solidFill>
-                  <a:srgbClr val="90C4DC"/>
+                  <a:schemeClr val="bg1"/>
                 </a:solidFill>
                 <a:latin typeface="Arial Rounded MT Bold" panose="020F0704030504030204" pitchFamily="34" charset="0"/>
-              </a:rPr>
-              <a:t>biolutoxR</a:t>
-            </a:r>
-            <a:endParaRPr lang="fr-FR" sz="4400" dirty="0">
-              <a:solidFill>
-                <a:srgbClr val="90C4DC"/>
-              </a:solidFill>
-              <a:latin typeface="Arial Rounded MT Bold" panose="020F0704030504030204" pitchFamily="34" charset="0"/>
-            </a:endParaRPr>
-          </a:p>
-        </p:txBody>
-      </p:sp>
-      <p:sp>
-        <p:nvSpPr>
-          <p:cNvPr id="13" name="AutoShape 2" descr="Excel Document Vector SVG Icon (2) - SVG Repo">
-            <a:extLst>
-              <a:ext uri="{FF2B5EF4-FFF2-40B4-BE49-F238E27FC236}">
-                <a16:creationId xmlns:a16="http://schemas.microsoft.com/office/drawing/2014/main" id="{739AD895-65A6-E924-AA02-717F0FFD3CC0}"/>
-              </a:ext>
-            </a:extLst>
-          </p:cNvPr>
-          <p:cNvSpPr>
-            <a:spLocks noChangeAspect="1" noChangeArrowheads="1"/>
-          </p:cNvSpPr>
-          <p:nvPr/>
-        </p:nvSpPr>
-        <p:spPr bwMode="auto">
-          <a:xfrm>
-            <a:off x="5943600" y="3276600"/>
-            <a:ext cx="304800" cy="304800"/>
-          </a:xfrm>
-          <a:prstGeom prst="rect">
-            <a:avLst/>
-          </a:prstGeom>
-          <a:noFill/>
-          <a:extLst>
-            <a:ext uri="{909E8E84-426E-40DD-AFC4-6F175D3DCCD1}">
-              <a14:hiddenFill xmlns:a14="http://schemas.microsoft.com/office/drawing/2010/main">
-                <a:solidFill>
-                  <a:srgbClr val="FFFFFF"/>
-                </a:solidFill>
-              </a14:hiddenFill>
-            </a:ext>
-          </a:extLst>
-        </p:spPr>
-        <p:txBody>
-          <a:bodyPr vert="horz" wrap="square" lIns="91440" tIns="45720" rIns="91440" bIns="45720" numCol="1" anchor="t" anchorCtr="0" compatLnSpc="1">
-            <a:prstTxWarp prst="textNoShape">
+              </a:endParaRPr>
+            </a:p>
+          </p:txBody>
+        </p:sp>
+        <p:pic>
+          <p:nvPicPr>
+            <p:cNvPr id="29" name="Image 28">
+              <a:extLst>
+                <a:ext uri="{FF2B5EF4-FFF2-40B4-BE49-F238E27FC236}">
+                  <a16:creationId xmlns:a16="http://schemas.microsoft.com/office/drawing/2014/main" id="{76C84171-46F9-1267-83B1-EDF358C76D0D}"/>
+                </a:ext>
+              </a:extLst>
+            </p:cNvPr>
+            <p:cNvPicPr>
+              <a:picLocks noChangeAspect="1"/>
+            </p:cNvPicPr>
+            <p:nvPr/>
+          </p:nvPicPr>
+          <p:blipFill>
+            <a:blip r:embed="rId2">
+              <a:duotone>
+                <a:prstClr val="black"/>
+                <a:schemeClr val="tx2">
+                  <a:tint val="45000"/>
+                  <a:satMod val="400000"/>
+                </a:schemeClr>
+              </a:duotone>
+            </a:blip>
+            <a:stretch>
+              <a:fillRect/>
+            </a:stretch>
+          </p:blipFill>
+          <p:spPr>
+            <a:xfrm>
+              <a:off x="7011738" y="2149848"/>
+              <a:ext cx="1681902" cy="1681902"/>
+            </a:xfrm>
+            <a:prstGeom prst="rect">
               <a:avLst/>
-            </a:prstTxWarp>
-          </a:bodyPr>
-          <a:lstStyle/>
-          <a:p>
-            <a:endParaRPr lang="fr-FR"/>
-          </a:p>
-        </p:txBody>
-      </p:sp>
-      <p:pic>
-        <p:nvPicPr>
-          <p:cNvPr id="14" name="Image 13">
-            <a:extLst>
-              <a:ext uri="{FF2B5EF4-FFF2-40B4-BE49-F238E27FC236}">
-                <a16:creationId xmlns:a16="http://schemas.microsoft.com/office/drawing/2014/main" id="{0D3993EC-BC0F-B44A-76B1-5E02C4B75FD6}"/>
-              </a:ext>
-            </a:extLst>
-          </p:cNvPr>
-          <p:cNvPicPr>
-            <a:picLocks noChangeAspect="1"/>
-          </p:cNvPicPr>
-          <p:nvPr/>
-        </p:nvPicPr>
-        <p:blipFill>
-          <a:blip r:embed="rId4">
-            <a:duotone>
-              <a:schemeClr val="accent4">
-                <a:shade val="45000"/>
-                <a:satMod val="135000"/>
-              </a:schemeClr>
-              <a:prstClr val="white"/>
-            </a:duotone>
-            <a:extLst>
-              <a:ext uri="{BEBA8EAE-BF5A-486C-A8C5-ECC9F3942E4B}">
-                <a14:imgProps xmlns:a14="http://schemas.microsoft.com/office/drawing/2010/main">
-                  <a14:imgLayer r:embed="rId5">
-                    <a14:imgEffect>
-                      <a14:artisticPhotocopy/>
-                    </a14:imgEffect>
-                  </a14:imgLayer>
-                </a14:imgProps>
-              </a:ext>
-            </a:extLst>
-          </a:blip>
-          <a:stretch>
-            <a:fillRect/>
-          </a:stretch>
-        </p:blipFill>
-        <p:spPr>
-          <a:xfrm>
-            <a:off x="5016776" y="4799534"/>
-            <a:ext cx="889683" cy="889683"/>
-          </a:xfrm>
-          <a:prstGeom prst="rect">
-            <a:avLst/>
-          </a:prstGeom>
-        </p:spPr>
-      </p:pic>
-      <p:pic>
-        <p:nvPicPr>
-          <p:cNvPr id="15" name="Image 14">
-            <a:extLst>
-              <a:ext uri="{FF2B5EF4-FFF2-40B4-BE49-F238E27FC236}">
-                <a16:creationId xmlns:a16="http://schemas.microsoft.com/office/drawing/2014/main" id="{94AF907F-00CB-DF6F-C56F-8D34B80FFC9A}"/>
-              </a:ext>
-            </a:extLst>
-          </p:cNvPr>
-          <p:cNvPicPr>
-            <a:picLocks noChangeAspect="1"/>
-          </p:cNvPicPr>
-          <p:nvPr/>
-        </p:nvPicPr>
-        <p:blipFill>
-          <a:blip r:embed="rId4">
-            <a:duotone>
-              <a:schemeClr val="accent4">
-                <a:shade val="45000"/>
-                <a:satMod val="135000"/>
-              </a:schemeClr>
-              <a:prstClr val="white"/>
-            </a:duotone>
-            <a:extLst>
-              <a:ext uri="{BEBA8EAE-BF5A-486C-A8C5-ECC9F3942E4B}">
-                <a14:imgProps xmlns:a14="http://schemas.microsoft.com/office/drawing/2010/main">
-                  <a14:imgLayer r:embed="rId5">
-                    <a14:imgEffect>
-                      <a14:artisticPhotocopy/>
-                    </a14:imgEffect>
-                  </a14:imgLayer>
-                </a14:imgProps>
-              </a:ext>
-            </a:extLst>
-          </a:blip>
-          <a:stretch>
-            <a:fillRect/>
-          </a:stretch>
-        </p:blipFill>
-        <p:spPr>
-          <a:xfrm>
-            <a:off x="5437697" y="5000735"/>
-            <a:ext cx="889683" cy="889683"/>
-          </a:xfrm>
-          <a:prstGeom prst="rect">
-            <a:avLst/>
-          </a:prstGeom>
-        </p:spPr>
-      </p:pic>
-      <p:pic>
-        <p:nvPicPr>
-          <p:cNvPr id="16" name="Image 15">
-            <a:extLst>
-              <a:ext uri="{FF2B5EF4-FFF2-40B4-BE49-F238E27FC236}">
-                <a16:creationId xmlns:a16="http://schemas.microsoft.com/office/drawing/2014/main" id="{A9D046BC-1CDA-C2CE-A325-4EB7868109E5}"/>
-              </a:ext>
-            </a:extLst>
-          </p:cNvPr>
-          <p:cNvPicPr>
-            <a:picLocks noChangeAspect="1"/>
-          </p:cNvPicPr>
-          <p:nvPr/>
-        </p:nvPicPr>
-        <p:blipFill>
-          <a:blip r:embed="rId4">
-            <a:duotone>
-              <a:schemeClr val="accent4">
-                <a:shade val="45000"/>
-                <a:satMod val="135000"/>
-              </a:schemeClr>
-              <a:prstClr val="white"/>
-            </a:duotone>
-            <a:extLst>
-              <a:ext uri="{BEBA8EAE-BF5A-486C-A8C5-ECC9F3942E4B}">
-                <a14:imgProps xmlns:a14="http://schemas.microsoft.com/office/drawing/2010/main">
-                  <a14:imgLayer r:embed="rId5">
-                    <a14:imgEffect>
-                      <a14:artisticPhotocopy/>
-                    </a14:imgEffect>
-                  </a14:imgLayer>
-                </a14:imgProps>
-              </a:ext>
-            </a:extLst>
-          </a:blip>
-          <a:stretch>
-            <a:fillRect/>
-          </a:stretch>
-        </p:blipFill>
-        <p:spPr>
-          <a:xfrm>
-            <a:off x="5858618" y="5192494"/>
-            <a:ext cx="889683" cy="889683"/>
-          </a:xfrm>
-          <a:prstGeom prst="rect">
-            <a:avLst/>
-          </a:prstGeom>
-        </p:spPr>
-      </p:pic>
+            </a:prstGeom>
+          </p:spPr>
+        </p:pic>
+        <p:pic>
+          <p:nvPicPr>
+            <p:cNvPr id="31" name="Image 30">
+              <a:extLst>
+                <a:ext uri="{FF2B5EF4-FFF2-40B4-BE49-F238E27FC236}">
+                  <a16:creationId xmlns:a16="http://schemas.microsoft.com/office/drawing/2014/main" id="{064B3D78-DCC8-C3C7-A1BE-D1EE51401B54}"/>
+                </a:ext>
+              </a:extLst>
+            </p:cNvPr>
+            <p:cNvPicPr>
+              <a:picLocks noChangeAspect="1"/>
+            </p:cNvPicPr>
+            <p:nvPr/>
+          </p:nvPicPr>
+          <p:blipFill>
+            <a:blip r:embed="rId2">
+              <a:duotone>
+                <a:prstClr val="black"/>
+                <a:schemeClr val="tx2">
+                  <a:tint val="45000"/>
+                  <a:satMod val="400000"/>
+                </a:schemeClr>
+              </a:duotone>
+            </a:blip>
+            <a:stretch>
+              <a:fillRect/>
+            </a:stretch>
+          </p:blipFill>
+          <p:spPr>
+            <a:xfrm rot="2449716">
+              <a:off x="4705856" y="4312208"/>
+              <a:ext cx="1428754" cy="1428754"/>
+            </a:xfrm>
+            <a:prstGeom prst="rect">
+              <a:avLst/>
+            </a:prstGeom>
+          </p:spPr>
+        </p:pic>
+        <p:pic>
+          <p:nvPicPr>
+            <p:cNvPr id="34" name="Image 33">
+              <a:extLst>
+                <a:ext uri="{FF2B5EF4-FFF2-40B4-BE49-F238E27FC236}">
+                  <a16:creationId xmlns:a16="http://schemas.microsoft.com/office/drawing/2014/main" id="{9D43574A-E558-88C3-E5DC-B6E8DABBFA1B}"/>
+                </a:ext>
+              </a:extLst>
+            </p:cNvPr>
+            <p:cNvPicPr>
+              <a:picLocks noChangeAspect="1"/>
+            </p:cNvPicPr>
+            <p:nvPr/>
+          </p:nvPicPr>
+          <p:blipFill>
+            <a:blip r:embed="rId2">
+              <a:duotone>
+                <a:prstClr val="black"/>
+                <a:schemeClr val="tx2">
+                  <a:tint val="45000"/>
+                  <a:satMod val="400000"/>
+                </a:schemeClr>
+              </a:duotone>
+            </a:blip>
+            <a:stretch>
+              <a:fillRect/>
+            </a:stretch>
+          </p:blipFill>
+          <p:spPr>
+            <a:xfrm rot="18013202">
+              <a:off x="4405917" y="3674202"/>
+              <a:ext cx="676138" cy="676138"/>
+            </a:xfrm>
+            <a:prstGeom prst="rect">
+              <a:avLst/>
+            </a:prstGeom>
+          </p:spPr>
+        </p:pic>
+        <p:pic>
+          <p:nvPicPr>
+            <p:cNvPr id="36" name="Image 35">
+              <a:extLst>
+                <a:ext uri="{FF2B5EF4-FFF2-40B4-BE49-F238E27FC236}">
+                  <a16:creationId xmlns:a16="http://schemas.microsoft.com/office/drawing/2014/main" id="{A092AABC-FD64-5699-911D-0FACE06F7BDD}"/>
+                </a:ext>
+              </a:extLst>
+            </p:cNvPr>
+            <p:cNvPicPr>
+              <a:picLocks noChangeAspect="1"/>
+            </p:cNvPicPr>
+            <p:nvPr/>
+          </p:nvPicPr>
+          <p:blipFill>
+            <a:blip r:embed="rId2">
+              <a:duotone>
+                <a:schemeClr val="accent4">
+                  <a:shade val="45000"/>
+                  <a:satMod val="135000"/>
+                </a:schemeClr>
+                <a:prstClr val="white"/>
+              </a:duotone>
+            </a:blip>
+            <a:stretch>
+              <a:fillRect/>
+            </a:stretch>
+          </p:blipFill>
+          <p:spPr>
+            <a:xfrm rot="1903607">
+              <a:off x="5732981" y="5724641"/>
+              <a:ext cx="676138" cy="676138"/>
+            </a:xfrm>
+            <a:prstGeom prst="rect">
+              <a:avLst/>
+            </a:prstGeom>
+          </p:spPr>
+        </p:pic>
+        <p:pic>
+          <p:nvPicPr>
+            <p:cNvPr id="37" name="Image 36">
+              <a:extLst>
+                <a:ext uri="{FF2B5EF4-FFF2-40B4-BE49-F238E27FC236}">
+                  <a16:creationId xmlns:a16="http://schemas.microsoft.com/office/drawing/2014/main" id="{4E4798FE-8E71-3E4E-0F91-E84F26455355}"/>
+                </a:ext>
+              </a:extLst>
+            </p:cNvPr>
+            <p:cNvPicPr>
+              <a:picLocks noChangeAspect="1"/>
+            </p:cNvPicPr>
+            <p:nvPr/>
+          </p:nvPicPr>
+          <p:blipFill>
+            <a:blip r:embed="rId2">
+              <a:duotone>
+                <a:schemeClr val="accent4">
+                  <a:shade val="45000"/>
+                  <a:satMod val="135000"/>
+                </a:schemeClr>
+                <a:prstClr val="white"/>
+              </a:duotone>
+            </a:blip>
+            <a:stretch>
+              <a:fillRect/>
+            </a:stretch>
+          </p:blipFill>
+          <p:spPr>
+            <a:xfrm rot="5697550">
+              <a:off x="3435760" y="2153187"/>
+              <a:ext cx="1256277" cy="1256277"/>
+            </a:xfrm>
+            <a:prstGeom prst="rect">
+              <a:avLst/>
+            </a:prstGeom>
+          </p:spPr>
+        </p:pic>
+        <p:pic>
+          <p:nvPicPr>
+            <p:cNvPr id="43" name="Image 42">
+              <a:extLst>
+                <a:ext uri="{FF2B5EF4-FFF2-40B4-BE49-F238E27FC236}">
+                  <a16:creationId xmlns:a16="http://schemas.microsoft.com/office/drawing/2014/main" id="{5E5FEFEB-7BE6-4C6A-2022-70C34A85375E}"/>
+                </a:ext>
+              </a:extLst>
+            </p:cNvPr>
+            <p:cNvPicPr>
+              <a:picLocks noChangeAspect="1"/>
+            </p:cNvPicPr>
+            <p:nvPr/>
+          </p:nvPicPr>
+          <p:blipFill>
+            <a:blip r:embed="rId3">
+              <a:lum bright="70000" contrast="-70000"/>
+              <a:extLst>
+                <a:ext uri="{BEBA8EAE-BF5A-486C-A8C5-ECC9F3942E4B}">
+                  <a14:imgProps xmlns:a14="http://schemas.microsoft.com/office/drawing/2010/main">
+                    <a14:imgLayer r:embed="rId4">
+                      <a14:imgEffect>
+                        <a14:artisticPhotocopy/>
+                      </a14:imgEffect>
+                    </a14:imgLayer>
+                  </a14:imgProps>
+                </a:ext>
+              </a:extLst>
+            </a:blip>
+            <a:stretch>
+              <a:fillRect/>
+            </a:stretch>
+          </p:blipFill>
+          <p:spPr>
+            <a:xfrm>
+              <a:off x="4665724" y="2001112"/>
+              <a:ext cx="2855773" cy="2855773"/>
+            </a:xfrm>
+            <a:prstGeom prst="rect">
+              <a:avLst/>
+            </a:prstGeom>
+          </p:spPr>
+        </p:pic>
+        <p:pic>
+          <p:nvPicPr>
+            <p:cNvPr id="44" name="Image 43">
+              <a:extLst>
+                <a:ext uri="{FF2B5EF4-FFF2-40B4-BE49-F238E27FC236}">
+                  <a16:creationId xmlns:a16="http://schemas.microsoft.com/office/drawing/2014/main" id="{CF91C8ED-7E54-B889-3DFB-539D49AEA0BF}"/>
+                </a:ext>
+              </a:extLst>
+            </p:cNvPr>
+            <p:cNvPicPr>
+              <a:picLocks noChangeAspect="1"/>
+            </p:cNvPicPr>
+            <p:nvPr/>
+          </p:nvPicPr>
+          <p:blipFill>
+            <a:blip r:embed="rId2">
+              <a:duotone>
+                <a:schemeClr val="accent4">
+                  <a:shade val="45000"/>
+                  <a:satMod val="135000"/>
+                </a:schemeClr>
+                <a:prstClr val="white"/>
+              </a:duotone>
+            </a:blip>
+            <a:stretch>
+              <a:fillRect/>
+            </a:stretch>
+          </p:blipFill>
+          <p:spPr>
+            <a:xfrm rot="4273223">
+              <a:off x="3567644" y="4337077"/>
+              <a:ext cx="722381" cy="722381"/>
+            </a:xfrm>
+            <a:prstGeom prst="rect">
+              <a:avLst/>
+            </a:prstGeom>
+          </p:spPr>
+        </p:pic>
+        <p:pic>
+          <p:nvPicPr>
+            <p:cNvPr id="45" name="Image 44">
+              <a:extLst>
+                <a:ext uri="{FF2B5EF4-FFF2-40B4-BE49-F238E27FC236}">
+                  <a16:creationId xmlns:a16="http://schemas.microsoft.com/office/drawing/2014/main" id="{68370136-BEFD-A89D-0C45-746AF0928AA3}"/>
+                </a:ext>
+              </a:extLst>
+            </p:cNvPr>
+            <p:cNvPicPr>
+              <a:picLocks noChangeAspect="1"/>
+            </p:cNvPicPr>
+            <p:nvPr/>
+          </p:nvPicPr>
+          <p:blipFill>
+            <a:blip r:embed="rId2">
+              <a:duotone>
+                <a:prstClr val="black"/>
+                <a:schemeClr val="tx2">
+                  <a:tint val="45000"/>
+                  <a:satMod val="400000"/>
+                </a:schemeClr>
+              </a:duotone>
+            </a:blip>
+            <a:stretch>
+              <a:fillRect/>
+            </a:stretch>
+          </p:blipFill>
+          <p:spPr>
+            <a:xfrm rot="8563853">
+              <a:off x="6398101" y="5008263"/>
+              <a:ext cx="722381" cy="722381"/>
+            </a:xfrm>
+            <a:prstGeom prst="rect">
+              <a:avLst/>
+            </a:prstGeom>
+          </p:spPr>
+        </p:pic>
+        <p:pic>
+          <p:nvPicPr>
+            <p:cNvPr id="46" name="Image 45">
+              <a:extLst>
+                <a:ext uri="{FF2B5EF4-FFF2-40B4-BE49-F238E27FC236}">
+                  <a16:creationId xmlns:a16="http://schemas.microsoft.com/office/drawing/2014/main" id="{2E6BC9F5-79B8-8D73-51B5-D7AD4844E28A}"/>
+                </a:ext>
+              </a:extLst>
+            </p:cNvPr>
+            <p:cNvPicPr>
+              <a:picLocks noChangeAspect="1"/>
+            </p:cNvPicPr>
+            <p:nvPr/>
+          </p:nvPicPr>
+          <p:blipFill>
+            <a:blip r:embed="rId2">
+              <a:duotone>
+                <a:schemeClr val="accent4">
+                  <a:shade val="45000"/>
+                  <a:satMod val="135000"/>
+                </a:schemeClr>
+                <a:prstClr val="white"/>
+              </a:duotone>
+            </a:blip>
+            <a:stretch>
+              <a:fillRect/>
+            </a:stretch>
+          </p:blipFill>
+          <p:spPr>
+            <a:xfrm rot="18562845">
+              <a:off x="5428090" y="724494"/>
+              <a:ext cx="475182" cy="475182"/>
+            </a:xfrm>
+            <a:prstGeom prst="rect">
+              <a:avLst/>
+            </a:prstGeom>
+          </p:spPr>
+        </p:pic>
+        <p:pic>
+          <p:nvPicPr>
+            <p:cNvPr id="47" name="Image 46">
+              <a:extLst>
+                <a:ext uri="{FF2B5EF4-FFF2-40B4-BE49-F238E27FC236}">
+                  <a16:creationId xmlns:a16="http://schemas.microsoft.com/office/drawing/2014/main" id="{F033D5CF-3492-1161-2E7C-30B406938ED3}"/>
+                </a:ext>
+              </a:extLst>
+            </p:cNvPr>
+            <p:cNvPicPr>
+              <a:picLocks noChangeAspect="1"/>
+            </p:cNvPicPr>
+            <p:nvPr/>
+          </p:nvPicPr>
+          <p:blipFill>
+            <a:blip r:embed="rId2">
+              <a:duotone>
+                <a:prstClr val="black"/>
+                <a:schemeClr val="tx2">
+                  <a:tint val="45000"/>
+                  <a:satMod val="400000"/>
+                </a:schemeClr>
+              </a:duotone>
+            </a:blip>
+            <a:stretch>
+              <a:fillRect/>
+            </a:stretch>
+          </p:blipFill>
+          <p:spPr>
+            <a:xfrm rot="8563853">
+              <a:off x="7772209" y="3911588"/>
+              <a:ext cx="979800" cy="979800"/>
+            </a:xfrm>
+            <a:prstGeom prst="rect">
+              <a:avLst/>
+            </a:prstGeom>
+          </p:spPr>
+        </p:pic>
+        <p:pic>
+          <p:nvPicPr>
+            <p:cNvPr id="49" name="Image 48">
+              <a:extLst>
+                <a:ext uri="{FF2B5EF4-FFF2-40B4-BE49-F238E27FC236}">
+                  <a16:creationId xmlns:a16="http://schemas.microsoft.com/office/drawing/2014/main" id="{7C05F4BE-0546-5445-D086-AC9C23249F48}"/>
+                </a:ext>
+              </a:extLst>
+            </p:cNvPr>
+            <p:cNvPicPr>
+              <a:picLocks noChangeAspect="1"/>
+            </p:cNvPicPr>
+            <p:nvPr/>
+          </p:nvPicPr>
+          <p:blipFill>
+            <a:blip r:embed="rId2">
+              <a:duotone>
+                <a:schemeClr val="accent4">
+                  <a:shade val="45000"/>
+                  <a:satMod val="135000"/>
+                </a:schemeClr>
+                <a:prstClr val="white"/>
+              </a:duotone>
+            </a:blip>
+            <a:stretch>
+              <a:fillRect/>
+            </a:stretch>
+          </p:blipFill>
+          <p:spPr>
+            <a:xfrm rot="5400000">
+              <a:off x="7339842" y="4931990"/>
+              <a:ext cx="462868" cy="462868"/>
+            </a:xfrm>
+            <a:prstGeom prst="rect">
+              <a:avLst/>
+            </a:prstGeom>
+          </p:spPr>
+        </p:pic>
+        <p:pic>
+          <p:nvPicPr>
+            <p:cNvPr id="50" name="Image 49">
+              <a:extLst>
+                <a:ext uri="{FF2B5EF4-FFF2-40B4-BE49-F238E27FC236}">
+                  <a16:creationId xmlns:a16="http://schemas.microsoft.com/office/drawing/2014/main" id="{013B4B1B-57EA-981A-5C71-F0173CE1AE0F}"/>
+                </a:ext>
+              </a:extLst>
+            </p:cNvPr>
+            <p:cNvPicPr>
+              <a:picLocks noChangeAspect="1"/>
+            </p:cNvPicPr>
+            <p:nvPr/>
+          </p:nvPicPr>
+          <p:blipFill>
+            <a:blip r:embed="rId2">
+              <a:duotone>
+                <a:schemeClr val="accent4">
+                  <a:shade val="45000"/>
+                  <a:satMod val="135000"/>
+                </a:schemeClr>
+                <a:prstClr val="white"/>
+              </a:duotone>
+            </a:blip>
+            <a:stretch>
+              <a:fillRect/>
+            </a:stretch>
+          </p:blipFill>
+          <p:spPr>
+            <a:xfrm rot="3727370">
+              <a:off x="6163859" y="641554"/>
+              <a:ext cx="708265" cy="708265"/>
+            </a:xfrm>
+            <a:prstGeom prst="rect">
+              <a:avLst/>
+            </a:prstGeom>
+          </p:spPr>
+        </p:pic>
+      </p:grpSp>
     </p:spTree>
     <p:extLst>
       <p:ext uri="{BB962C8B-B14F-4D97-AF65-F5344CB8AC3E}">
-        <p14:creationId xmlns:p14="http://schemas.microsoft.com/office/powerpoint/2010/main" val="2171472988"/>
+        <p14:creationId xmlns:p14="http://schemas.microsoft.com/office/powerpoint/2010/main" val="2975045549"/>
       </p:ext>
     </p:extLst>
   </p:cSld>

--- a/img/img.pptx
+++ b/img/img.pptx
@@ -6,6 +6,8 @@
   </p:sldMasterIdLst>
   <p:sldIdLst>
     <p:sldId id="257" r:id="rId2"/>
+    <p:sldId id="258" r:id="rId3"/>
+    <p:sldId id="259" r:id="rId4"/>
   </p:sldIdLst>
   <p:sldSz cx="12192000" cy="6858000"/>
   <p:notesSz cx="6858000" cy="9144000"/>
@@ -259,7 +261,7 @@
           <a:p>
             <a:fld id="{C4A37111-50F7-4589-8A02-65F8E36B57FB}" type="datetimeFigureOut">
               <a:rPr lang="fr-FR" smtClean="0"/>
-              <a:t>18/09/2024</a:t>
+              <a:t>19/09/2024</a:t>
             </a:fld>
             <a:endParaRPr lang="fr-FR"/>
           </a:p>
@@ -457,7 +459,7 @@
           <a:p>
             <a:fld id="{C4A37111-50F7-4589-8A02-65F8E36B57FB}" type="datetimeFigureOut">
               <a:rPr lang="fr-FR" smtClean="0"/>
-              <a:t>18/09/2024</a:t>
+              <a:t>19/09/2024</a:t>
             </a:fld>
             <a:endParaRPr lang="fr-FR"/>
           </a:p>
@@ -665,7 +667,7 @@
           <a:p>
             <a:fld id="{C4A37111-50F7-4589-8A02-65F8E36B57FB}" type="datetimeFigureOut">
               <a:rPr lang="fr-FR" smtClean="0"/>
-              <a:t>18/09/2024</a:t>
+              <a:t>19/09/2024</a:t>
             </a:fld>
             <a:endParaRPr lang="fr-FR"/>
           </a:p>
@@ -863,7 +865,7 @@
           <a:p>
             <a:fld id="{C4A37111-50F7-4589-8A02-65F8E36B57FB}" type="datetimeFigureOut">
               <a:rPr lang="fr-FR" smtClean="0"/>
-              <a:t>18/09/2024</a:t>
+              <a:t>19/09/2024</a:t>
             </a:fld>
             <a:endParaRPr lang="fr-FR"/>
           </a:p>
@@ -1138,7 +1140,7 @@
           <a:p>
             <a:fld id="{C4A37111-50F7-4589-8A02-65F8E36B57FB}" type="datetimeFigureOut">
               <a:rPr lang="fr-FR" smtClean="0"/>
-              <a:t>18/09/2024</a:t>
+              <a:t>19/09/2024</a:t>
             </a:fld>
             <a:endParaRPr lang="fr-FR"/>
           </a:p>
@@ -1403,7 +1405,7 @@
           <a:p>
             <a:fld id="{C4A37111-50F7-4589-8A02-65F8E36B57FB}" type="datetimeFigureOut">
               <a:rPr lang="fr-FR" smtClean="0"/>
-              <a:t>18/09/2024</a:t>
+              <a:t>19/09/2024</a:t>
             </a:fld>
             <a:endParaRPr lang="fr-FR"/>
           </a:p>
@@ -1815,7 +1817,7 @@
           <a:p>
             <a:fld id="{C4A37111-50F7-4589-8A02-65F8E36B57FB}" type="datetimeFigureOut">
               <a:rPr lang="fr-FR" smtClean="0"/>
-              <a:t>18/09/2024</a:t>
+              <a:t>19/09/2024</a:t>
             </a:fld>
             <a:endParaRPr lang="fr-FR"/>
           </a:p>
@@ -1956,7 +1958,7 @@
           <a:p>
             <a:fld id="{C4A37111-50F7-4589-8A02-65F8E36B57FB}" type="datetimeFigureOut">
               <a:rPr lang="fr-FR" smtClean="0"/>
-              <a:t>18/09/2024</a:t>
+              <a:t>19/09/2024</a:t>
             </a:fld>
             <a:endParaRPr lang="fr-FR"/>
           </a:p>
@@ -2069,7 +2071,7 @@
           <a:p>
             <a:fld id="{C4A37111-50F7-4589-8A02-65F8E36B57FB}" type="datetimeFigureOut">
               <a:rPr lang="fr-FR" smtClean="0"/>
-              <a:t>18/09/2024</a:t>
+              <a:t>19/09/2024</a:t>
             </a:fld>
             <a:endParaRPr lang="fr-FR"/>
           </a:p>
@@ -2380,7 +2382,7 @@
           <a:p>
             <a:fld id="{C4A37111-50F7-4589-8A02-65F8E36B57FB}" type="datetimeFigureOut">
               <a:rPr lang="fr-FR" smtClean="0"/>
-              <a:t>18/09/2024</a:t>
+              <a:t>19/09/2024</a:t>
             </a:fld>
             <a:endParaRPr lang="fr-FR"/>
           </a:p>
@@ -2668,7 +2670,7 @@
           <a:p>
             <a:fld id="{C4A37111-50F7-4589-8A02-65F8E36B57FB}" type="datetimeFigureOut">
               <a:rPr lang="fr-FR" smtClean="0"/>
-              <a:t>18/09/2024</a:t>
+              <a:t>19/09/2024</a:t>
             </a:fld>
             <a:endParaRPr lang="fr-FR"/>
           </a:p>
@@ -2909,7 +2911,7 @@
           <a:p>
             <a:fld id="{C4A37111-50F7-4589-8A02-65F8E36B57FB}" type="datetimeFigureOut">
               <a:rPr lang="fr-FR" smtClean="0"/>
-              <a:t>18/09/2024</a:t>
+              <a:t>19/09/2024</a:t>
             </a:fld>
             <a:endParaRPr lang="fr-FR"/>
           </a:p>
@@ -3923,6 +3925,134 @@
 </p:sld>
 </file>
 
+<file path=ppt/slides/slide2.xml><?xml version="1.0" encoding="utf-8"?>
+<p:sld xmlns:a="http://schemas.openxmlformats.org/drawingml/2006/main" xmlns:r="http://schemas.openxmlformats.org/officeDocument/2006/relationships" xmlns:p="http://schemas.openxmlformats.org/presentationml/2006/main">
+  <p:cSld>
+    <p:spTree>
+      <p:nvGrpSpPr>
+        <p:cNvPr id="1" name=""/>
+        <p:cNvGrpSpPr/>
+        <p:nvPr/>
+      </p:nvGrpSpPr>
+      <p:grpSpPr>
+        <a:xfrm>
+          <a:off x="0" y="0"/>
+          <a:ext cx="0" cy="0"/>
+          <a:chOff x="0" y="0"/>
+          <a:chExt cx="0" cy="0"/>
+        </a:xfrm>
+      </p:grpSpPr>
+      <p:pic>
+        <p:nvPicPr>
+          <p:cNvPr id="2" name="Image 1">
+            <a:extLst>
+              <a:ext uri="{FF2B5EF4-FFF2-40B4-BE49-F238E27FC236}">
+                <a16:creationId xmlns:a16="http://schemas.microsoft.com/office/drawing/2014/main" id="{F80AD142-211F-AABE-A9CA-D1BDACC63277}"/>
+              </a:ext>
+            </a:extLst>
+          </p:cNvPr>
+          <p:cNvPicPr>
+            <a:picLocks noChangeAspect="1"/>
+          </p:cNvPicPr>
+          <p:nvPr/>
+        </p:nvPicPr>
+        <p:blipFill>
+          <a:blip r:embed="rId2"/>
+          <a:stretch>
+            <a:fillRect/>
+          </a:stretch>
+        </p:blipFill>
+        <p:spPr>
+          <a:xfrm>
+            <a:off x="4328536" y="1404968"/>
+            <a:ext cx="3534928" cy="4048063"/>
+          </a:xfrm>
+          <a:prstGeom prst="rect">
+            <a:avLst/>
+          </a:prstGeom>
+        </p:spPr>
+      </p:pic>
+    </p:spTree>
+    <p:extLst>
+      <p:ext uri="{BB962C8B-B14F-4D97-AF65-F5344CB8AC3E}">
+        <p14:creationId xmlns:p14="http://schemas.microsoft.com/office/powerpoint/2010/main" val="2401241420"/>
+      </p:ext>
+    </p:extLst>
+  </p:cSld>
+  <p:clrMapOvr>
+    <a:masterClrMapping/>
+  </p:clrMapOvr>
+</p:sld>
+</file>
+
+<file path=ppt/slides/slide3.xml><?xml version="1.0" encoding="utf-8"?>
+<p:sld xmlns:a="http://schemas.openxmlformats.org/drawingml/2006/main" xmlns:r="http://schemas.openxmlformats.org/officeDocument/2006/relationships" xmlns:p="http://schemas.openxmlformats.org/presentationml/2006/main">
+  <p:cSld>
+    <p:spTree>
+      <p:nvGrpSpPr>
+        <p:cNvPr id="1" name=""/>
+        <p:cNvGrpSpPr/>
+        <p:nvPr/>
+      </p:nvGrpSpPr>
+      <p:grpSpPr>
+        <a:xfrm>
+          <a:off x="0" y="0"/>
+          <a:ext cx="0" cy="0"/>
+          <a:chOff x="0" y="0"/>
+          <a:chExt cx="0" cy="0"/>
+        </a:xfrm>
+      </p:grpSpPr>
+      <p:pic>
+        <p:nvPicPr>
+          <p:cNvPr id="4" name="Image 3">
+            <a:extLst>
+              <a:ext uri="{FF2B5EF4-FFF2-40B4-BE49-F238E27FC236}">
+                <a16:creationId xmlns:a16="http://schemas.microsoft.com/office/drawing/2014/main" id="{C51FEFC5-C1F1-19C6-E3EE-FB167E47A2DF}"/>
+              </a:ext>
+            </a:extLst>
+          </p:cNvPr>
+          <p:cNvPicPr>
+            <a:picLocks noChangeAspect="1"/>
+          </p:cNvPicPr>
+          <p:nvPr/>
+        </p:nvPicPr>
+        <p:blipFill>
+          <a:blip r:embed="rId2">
+            <a:duotone>
+              <a:schemeClr val="accent4">
+                <a:shade val="45000"/>
+                <a:satMod val="135000"/>
+              </a:schemeClr>
+              <a:prstClr val="white"/>
+            </a:duotone>
+          </a:blip>
+          <a:stretch>
+            <a:fillRect/>
+          </a:stretch>
+        </p:blipFill>
+        <p:spPr>
+          <a:xfrm rot="13465679">
+            <a:off x="3435760" y="2153187"/>
+            <a:ext cx="1256277" cy="1256277"/>
+          </a:xfrm>
+          <a:prstGeom prst="rect">
+            <a:avLst/>
+          </a:prstGeom>
+        </p:spPr>
+      </p:pic>
+    </p:spTree>
+    <p:extLst>
+      <p:ext uri="{BB962C8B-B14F-4D97-AF65-F5344CB8AC3E}">
+        <p14:creationId xmlns:p14="http://schemas.microsoft.com/office/powerpoint/2010/main" val="1072588960"/>
+      </p:ext>
+    </p:extLst>
+  </p:cSld>
+  <p:clrMapOvr>
+    <a:masterClrMapping/>
+  </p:clrMapOvr>
+</p:sld>
+</file>
+
 <file path=ppt/theme/theme1.xml><?xml version="1.0" encoding="utf-8"?>
 <a:theme xmlns:a="http://schemas.openxmlformats.org/drawingml/2006/main" name="Thème Office">
   <a:themeElements>
